--- a/slides/99_next_steps.pptx
+++ b/slides/99_next_steps.pptx
@@ -5606,7 +5606,7 @@
             <a:fld id="{764ED9EE-8F2A-4E06-87A2-36C0DD0993FD}" type="datetime1">
               <a:rPr lang="de-DE" smtClean="0"/>
               <a:pPr rtl="0"/>
-              <a:t>28.12.2020</a:t>
+              <a:t>14.01.2021</a:t>
             </a:fld>
             <a:endParaRPr lang="en-US" dirty="0"/>
           </a:p>
@@ -5778,7 +5778,7 @@
             <a:fld id="{A5A5ADE8-1FB8-43FD-A675-2B613EE00B6F}" type="datetime1">
               <a:rPr lang="de-DE" smtClean="0"/>
               <a:pPr rtl="0"/>
-              <a:t>28.12.2020</a:t>
+              <a:t>14.01.2021</a:t>
             </a:fld>
             <a:endParaRPr lang="en-US"/>
           </a:p>
@@ -6294,7 +6294,7 @@
             <a:fld id="{81E9C95E-BEF0-4D2E-9127-B9099B238D2A}" type="datetime1">
               <a:rPr lang="de-DE" smtClean="0"/>
               <a:pPr rtl="0"/>
-              <a:t>28.12.2020</a:t>
+              <a:t>14.01.2021</a:t>
             </a:fld>
             <a:endParaRPr lang="en-US" dirty="0"/>
           </a:p>
@@ -6503,7 +6503,7 @@
             <a:fld id="{FE771757-BB18-44C5-813E-435E78C98126}" type="datetime1">
               <a:rPr lang="de-DE" smtClean="0"/>
               <a:pPr rtl="0"/>
-              <a:t>28.12.2020</a:t>
+              <a:t>14.01.2021</a:t>
             </a:fld>
             <a:endParaRPr lang="en-US" dirty="0"/>
           </a:p>
@@ -6871,7 +6871,7 @@
             <a:fld id="{B83FACD6-565C-4118-ACD0-32ACCA9AF940}" type="datetime1">
               <a:rPr lang="de-DE" smtClean="0"/>
               <a:pPr rtl="0"/>
-              <a:t>28.12.2020</a:t>
+              <a:t>14.01.2021</a:t>
             </a:fld>
             <a:endParaRPr lang="en-US" dirty="0"/>
           </a:p>
@@ -7075,7 +7075,7 @@
             <a:fld id="{83627DD0-092D-4AD9-AAE0-0513E170352E}" type="datetime1">
               <a:rPr lang="de-DE" smtClean="0"/>
               <a:pPr rtl="0"/>
-              <a:t>28.12.2020</a:t>
+              <a:t>14.01.2021</a:t>
             </a:fld>
             <a:endParaRPr lang="en-US" dirty="0"/>
           </a:p>
@@ -7393,7 +7393,7 @@
             <a:fld id="{F36CBEDB-B1DE-4F8C-AD4A-10AD3F77E1A9}" type="datetime1">
               <a:rPr lang="de-DE" smtClean="0"/>
               <a:pPr rtl="0"/>
-              <a:t>28.12.2020</a:t>
+              <a:t>14.01.2021</a:t>
             </a:fld>
             <a:endParaRPr lang="en-US" dirty="0"/>
           </a:p>
@@ -7652,7 +7652,7 @@
             <a:fld id="{F95AE019-BB99-4C3A-AA2C-A36C39CE4DCB}" type="datetime1">
               <a:rPr lang="de-DE" smtClean="0"/>
               <a:pPr rtl="0"/>
-              <a:t>28.12.2020</a:t>
+              <a:t>14.01.2021</a:t>
             </a:fld>
             <a:endParaRPr lang="en-US" dirty="0"/>
           </a:p>
@@ -8080,7 +8080,7 @@
             <a:fld id="{117FAFC6-AD0C-4B5B-B8B0-E729C6D4C810}" type="datetime1">
               <a:rPr lang="de-DE" smtClean="0"/>
               <a:pPr rtl="0"/>
-              <a:t>28.12.2020</a:t>
+              <a:t>14.01.2021</a:t>
             </a:fld>
             <a:endParaRPr lang="en-US" dirty="0"/>
           </a:p>
@@ -8209,7 +8209,7 @@
             <a:fld id="{607DEF3C-A2B0-4F78-836D-1A1B1DEE5467}" type="datetime1">
               <a:rPr lang="de-DE" smtClean="0"/>
               <a:pPr rtl="0"/>
-              <a:t>28.12.2020</a:t>
+              <a:t>14.01.2021</a:t>
             </a:fld>
             <a:endParaRPr lang="en-US" dirty="0"/>
           </a:p>
@@ -8309,7 +8309,7 @@
             <a:fld id="{D971D44B-9C44-467E-B481-41466CDBD2A7}" type="datetime1">
               <a:rPr lang="de-DE" smtClean="0"/>
               <a:pPr rtl="0"/>
-              <a:t>28.12.2020</a:t>
+              <a:t>14.01.2021</a:t>
             </a:fld>
             <a:endParaRPr lang="en-US" dirty="0"/>
           </a:p>
@@ -8692,7 +8692,7 @@
             <a:fld id="{0354EEBD-0E7F-42E6-BE86-4864547D749E}" type="datetime1">
               <a:rPr lang="de-DE" smtClean="0"/>
               <a:pPr rtl="0"/>
-              <a:t>28.12.2020</a:t>
+              <a:t>14.01.2021</a:t>
             </a:fld>
             <a:endParaRPr lang="en-US" dirty="0"/>
           </a:p>
@@ -8991,7 +8991,7 @@
             <a:fld id="{8C7274EF-79A2-4EAD-98EF-7E5BB5EA068D}" type="datetime1">
               <a:rPr lang="de-DE" smtClean="0"/>
               <a:pPr rtl="0"/>
-              <a:t>28.12.2020</a:t>
+              <a:t>14.01.2021</a:t>
             </a:fld>
             <a:endParaRPr lang="en-US" dirty="0"/>
           </a:p>
@@ -9211,7 +9211,7 @@
             <a:fld id="{EDD379EC-906B-4CE5-98C2-3A156331FD9E}" type="datetime1">
               <a:rPr lang="de-DE" smtClean="0"/>
               <a:pPr rtl="0"/>
-              <a:t>28.12.2020</a:t>
+              <a:t>14.01.2021</a:t>
             </a:fld>
             <a:endParaRPr lang="en-US" dirty="0"/>
           </a:p>
@@ -10293,7 +10293,7 @@
             <a:pPr lvl="1"/>
             <a:r>
               <a:rPr lang="de-DE" i="1" dirty="0"/>
-              <a:t>Unser Framework sollte Funktionen für die meisten Fälle bieten</a:t>
+              <a:t>Unser Framework sollte Funktionen für die meisten Fälle anbieten</a:t>
             </a:r>
           </a:p>
           <a:p>
@@ -10338,7 +10338,7 @@
             <a:fld id="{83627DD0-092D-4AD9-AAE0-0513E170352E}" type="datetime1">
               <a:rPr lang="de-DE" smtClean="0"/>
               <a:pPr rtl="0"/>
-              <a:t>28.12.2020</a:t>
+              <a:t>14.01.2021</a:t>
             </a:fld>
             <a:endParaRPr lang="en-US" dirty="0"/>
           </a:p>
@@ -10419,6 +10419,112 @@
           </a:graphicData>
         </a:graphic>
       </p:graphicFrame>
+      <p:grpSp>
+        <p:nvGrpSpPr>
+          <p:cNvPr id="10" name="Gruppieren 9">
+            <a:extLst>
+              <a:ext uri="{FF2B5EF4-FFF2-40B4-BE49-F238E27FC236}">
+                <a16:creationId xmlns:a16="http://schemas.microsoft.com/office/drawing/2014/main" id="{4D92DC79-1CA3-4D45-9259-C64C7350DB0A}"/>
+              </a:ext>
+            </a:extLst>
+          </p:cNvPr>
+          <p:cNvGrpSpPr/>
+          <p:nvPr/>
+        </p:nvGrpSpPr>
+        <p:grpSpPr>
+          <a:xfrm>
+            <a:off x="6389024" y="2138976"/>
+            <a:ext cx="417352" cy="369332"/>
+            <a:chOff x="5919240" y="2172532"/>
+            <a:chExt cx="417352" cy="369332"/>
+          </a:xfrm>
+        </p:grpSpPr>
+        <p:sp>
+          <p:nvSpPr>
+            <p:cNvPr id="6" name="Ellipse 5">
+              <a:extLst>
+                <a:ext uri="{FF2B5EF4-FFF2-40B4-BE49-F238E27FC236}">
+                  <a16:creationId xmlns:a16="http://schemas.microsoft.com/office/drawing/2014/main" id="{56B44696-B310-4931-9452-977549B8CC88}"/>
+                </a:ext>
+              </a:extLst>
+            </p:cNvPr>
+            <p:cNvSpPr/>
+            <p:nvPr/>
+          </p:nvSpPr>
+          <p:spPr>
+            <a:xfrm>
+              <a:off x="5956183" y="2223083"/>
+              <a:ext cx="326689" cy="302003"/>
+            </a:xfrm>
+            <a:prstGeom prst="ellipse">
+              <a:avLst/>
+            </a:prstGeom>
+          </p:spPr>
+          <p:style>
+            <a:lnRef idx="2">
+              <a:schemeClr val="accent5">
+                <a:shade val="50000"/>
+              </a:schemeClr>
+            </a:lnRef>
+            <a:fillRef idx="1">
+              <a:schemeClr val="accent5"/>
+            </a:fillRef>
+            <a:effectRef idx="0">
+              <a:schemeClr val="accent5"/>
+            </a:effectRef>
+            <a:fontRef idx="minor">
+              <a:schemeClr val="lt1"/>
+            </a:fontRef>
+          </p:style>
+          <p:txBody>
+            <a:bodyPr rtlCol="0" anchor="ctr"/>
+            <a:lstStyle/>
+            <a:p>
+              <a:pPr algn="ctr"/>
+              <a:endParaRPr lang="de-DE" dirty="0"/>
+            </a:p>
+          </p:txBody>
+        </p:sp>
+        <p:sp>
+          <p:nvSpPr>
+            <p:cNvPr id="9" name="Textfeld 8">
+              <a:extLst>
+                <a:ext uri="{FF2B5EF4-FFF2-40B4-BE49-F238E27FC236}">
+                  <a16:creationId xmlns:a16="http://schemas.microsoft.com/office/drawing/2014/main" id="{85C459BE-1475-4CAA-928B-197266CE58D4}"/>
+                </a:ext>
+              </a:extLst>
+            </p:cNvPr>
+            <p:cNvSpPr txBox="1"/>
+            <p:nvPr/>
+          </p:nvSpPr>
+          <p:spPr>
+            <a:xfrm>
+              <a:off x="5919240" y="2172532"/>
+              <a:ext cx="417352" cy="369332"/>
+            </a:xfrm>
+            <a:prstGeom prst="rect">
+              <a:avLst/>
+            </a:prstGeom>
+            <a:noFill/>
+          </p:spPr>
+          <p:txBody>
+            <a:bodyPr wrap="square">
+              <a:spAutoFit/>
+            </a:bodyPr>
+            <a:lstStyle/>
+            <a:p>
+              <a:r>
+                <a:rPr lang="de-DE" b="1" dirty="0">
+                  <a:solidFill>
+                    <a:schemeClr val="bg1"/>
+                  </a:solidFill>
+                </a:rPr>
+                <a:t>☺</a:t>
+              </a:r>
+            </a:p>
+          </p:txBody>
+        </p:sp>
+      </p:grpSp>
     </p:spTree>
     <p:extLst>
       <p:ext uri="{BB962C8B-B14F-4D97-AF65-F5344CB8AC3E}">
@@ -10518,8 +10624,34 @@
           <a:p>
             <a:r>
               <a:rPr lang="de-DE" dirty="0"/>
-              <a:t>Beispielhafter Entwurf für Skills mit verschachtelten Dialogen</a:t>
+              <a:t>Einarbeiten eures Feedbacks</a:t>
             </a:r>
+          </a:p>
+          <a:p>
+            <a:pPr lvl="1"/>
+            <a:r>
+              <a:rPr lang="de-DE" dirty="0"/>
+              <a:t>Was ist unverständlich?</a:t>
+            </a:r>
+          </a:p>
+          <a:p>
+            <a:pPr lvl="1"/>
+            <a:r>
+              <a:rPr lang="de-DE" dirty="0"/>
+              <a:t>Was müsste detaillierter beschrieben werden?</a:t>
+            </a:r>
+          </a:p>
+          <a:p>
+            <a:pPr lvl="1"/>
+            <a:r>
+              <a:rPr lang="de-DE" dirty="0"/>
+              <a:t>Was für Features würdet ihr euch </a:t>
+            </a:r>
+            <a:r>
+              <a:rPr lang="de-DE"/>
+              <a:t>noch wünschen?</a:t>
+            </a:r>
+            <a:endParaRPr lang="de-DE" dirty="0"/>
           </a:p>
           <a:p>
             <a:endParaRPr lang="de-DE" dirty="0"/>
@@ -10551,69 +10683,42 @@
             <a:fld id="{83627DD0-092D-4AD9-AAE0-0513E170352E}" type="datetime1">
               <a:rPr lang="de-DE" smtClean="0"/>
               <a:pPr rtl="0"/>
-              <a:t>28.12.2020</a:t>
+              <a:t>14.01.2021</a:t>
             </a:fld>
             <a:endParaRPr lang="en-US" dirty="0"/>
           </a:p>
         </p:txBody>
       </p:sp>
-      <p:sp>
-        <p:nvSpPr>
-          <p:cNvPr id="5" name="Rechteck 4">
+      <p:pic>
+        <p:nvPicPr>
+          <p:cNvPr id="7" name="Grafik 6">
             <a:extLst>
               <a:ext uri="{FF2B5EF4-FFF2-40B4-BE49-F238E27FC236}">
-                <a16:creationId xmlns:a16="http://schemas.microsoft.com/office/drawing/2014/main" id="{6677C331-0DBC-4C78-9A02-101757DEDB3E}"/>
+                <a16:creationId xmlns:a16="http://schemas.microsoft.com/office/drawing/2014/main" id="{602F642B-6169-475E-8063-D38944FB2DD5}"/>
               </a:ext>
             </a:extLst>
           </p:cNvPr>
-          <p:cNvSpPr/>
+          <p:cNvPicPr>
+            <a:picLocks noChangeAspect="1"/>
+          </p:cNvPicPr>
           <p:nvPr/>
-        </p:nvSpPr>
+        </p:nvPicPr>
+        <p:blipFill>
+          <a:blip r:embed="rId2"/>
+          <a:stretch>
+            <a:fillRect/>
+          </a:stretch>
+        </p:blipFill>
         <p:spPr>
-          <a:xfrm rot="1160665">
-            <a:off x="7105475" y="3243708"/>
-            <a:ext cx="3363985" cy="1828800"/>
+          <a:xfrm>
+            <a:off x="7371432" y="2033077"/>
+            <a:ext cx="3165141" cy="4122767"/>
           </a:xfrm>
           <a:prstGeom prst="rect">
             <a:avLst/>
           </a:prstGeom>
         </p:spPr>
-        <p:style>
-          <a:lnRef idx="2">
-            <a:schemeClr val="accent1">
-              <a:shade val="50000"/>
-            </a:schemeClr>
-          </a:lnRef>
-          <a:fillRef idx="1">
-            <a:schemeClr val="accent1"/>
-          </a:fillRef>
-          <a:effectRef idx="0">
-            <a:schemeClr val="accent1"/>
-          </a:effectRef>
-          <a:fontRef idx="minor">
-            <a:schemeClr val="lt1"/>
-          </a:fontRef>
-        </p:style>
-        <p:txBody>
-          <a:bodyPr rtlCol="0" anchor="ctr"/>
-          <a:lstStyle/>
-          <a:p>
-            <a:pPr algn="ctr"/>
-            <a:r>
-              <a:rPr lang="de-DE" dirty="0"/>
-              <a:t>Gebt mir </a:t>
-            </a:r>
-            <a:r>
-              <a:rPr lang="de-DE" sz="2400" b="1" dirty="0"/>
-              <a:t>Feedback</a:t>
-            </a:r>
-            <a:r>
-              <a:rPr lang="de-DE" dirty="0"/>
-              <a:t>, damit dieser Kurs verständlicher und umfangreicher wird</a:t>
-            </a:r>
-          </a:p>
-        </p:txBody>
-      </p:sp>
+      </p:pic>
     </p:spTree>
     <p:extLst>
       <p:ext uri="{BB962C8B-B14F-4D97-AF65-F5344CB8AC3E}">
